--- a/docs/slides.pptx
+++ b/docs/slides.pptx
@@ -107,6 +107,11 @@
       </a:defRPr>
     </a:lvl9pPr>
   </p:defaultTextStyle>
+  <p:extLst>
+    <p:ext uri="{EFAFB233-063F-42B5-8137-9DF3F51BA10A}">
+      <p15:sldGuideLst xmlns:p15="http://schemas.microsoft.com/office/powerpoint/2012/main"/>
+    </p:ext>
+  </p:extLst>
 </p:presentation>
 </file>
 
@@ -257,7 +262,7 @@
           <a:p>
             <a:fld id="{C80056F7-4CED-4C0F-A36E-84759523287A}" type="datetimeFigureOut">
               <a:rPr lang="en-US" smtClean="0"/>
-              <a:t>9/3/2020</a:t>
+              <a:t>9/7/2020</a:t>
             </a:fld>
             <a:endParaRPr lang="en-US"/>
           </a:p>
@@ -568,7 +573,7 @@
           <a:p>
             <a:fld id="{C80056F7-4CED-4C0F-A36E-84759523287A}" type="datetimeFigureOut">
               <a:rPr lang="en-US" smtClean="0"/>
-              <a:t>9/3/2020</a:t>
+              <a:t>9/7/2020</a:t>
             </a:fld>
             <a:endParaRPr lang="en-US"/>
           </a:p>
@@ -856,7 +861,7 @@
           <a:p>
             <a:fld id="{C80056F7-4CED-4C0F-A36E-84759523287A}" type="datetimeFigureOut">
               <a:rPr lang="en-US" smtClean="0"/>
-              <a:t>9/3/2020</a:t>
+              <a:t>9/7/2020</a:t>
             </a:fld>
             <a:endParaRPr lang="en-US"/>
           </a:p>
@@ -1054,7 +1059,7 @@
           <a:p>
             <a:fld id="{C80056F7-4CED-4C0F-A36E-84759523287A}" type="datetimeFigureOut">
               <a:rPr lang="en-US" smtClean="0"/>
-              <a:t>9/3/2020</a:t>
+              <a:t>9/7/2020</a:t>
             </a:fld>
             <a:endParaRPr lang="en-US"/>
           </a:p>
@@ -1262,7 +1267,7 @@
           <a:p>
             <a:fld id="{C80056F7-4CED-4C0F-A36E-84759523287A}" type="datetimeFigureOut">
               <a:rPr lang="en-US" smtClean="0"/>
-              <a:t>9/3/2020</a:t>
+              <a:t>9/7/2020</a:t>
             </a:fld>
             <a:endParaRPr lang="en-US"/>
           </a:p>
@@ -1460,7 +1465,7 @@
           <a:p>
             <a:fld id="{C80056F7-4CED-4C0F-A36E-84759523287A}" type="datetimeFigureOut">
               <a:rPr lang="en-US" smtClean="0"/>
-              <a:t>9/3/2020</a:t>
+              <a:t>9/7/2020</a:t>
             </a:fld>
             <a:endParaRPr lang="en-US"/>
           </a:p>
@@ -1735,7 +1740,7 @@
           <a:p>
             <a:fld id="{C80056F7-4CED-4C0F-A36E-84759523287A}" type="datetimeFigureOut">
               <a:rPr lang="en-US" smtClean="0"/>
-              <a:t>9/3/2020</a:t>
+              <a:t>9/7/2020</a:t>
             </a:fld>
             <a:endParaRPr lang="en-US"/>
           </a:p>
@@ -2000,7 +2005,7 @@
           <a:p>
             <a:fld id="{C80056F7-4CED-4C0F-A36E-84759523287A}" type="datetimeFigureOut">
               <a:rPr lang="en-US" smtClean="0"/>
-              <a:t>9/3/2020</a:t>
+              <a:t>9/7/2020</a:t>
             </a:fld>
             <a:endParaRPr lang="en-US"/>
           </a:p>
@@ -2412,7 +2417,7 @@
           <a:p>
             <a:fld id="{C80056F7-4CED-4C0F-A36E-84759523287A}" type="datetimeFigureOut">
               <a:rPr lang="en-US" smtClean="0"/>
-              <a:t>9/3/2020</a:t>
+              <a:t>9/7/2020</a:t>
             </a:fld>
             <a:endParaRPr lang="en-US"/>
           </a:p>
@@ -2553,7 +2558,7 @@
           <a:p>
             <a:fld id="{C80056F7-4CED-4C0F-A36E-84759523287A}" type="datetimeFigureOut">
               <a:rPr lang="en-US" smtClean="0"/>
-              <a:t>9/3/2020</a:t>
+              <a:t>9/7/2020</a:t>
             </a:fld>
             <a:endParaRPr lang="en-US"/>
           </a:p>
@@ -3028,7 +3033,7 @@
           <a:p>
             <a:fld id="{C80056F7-4CED-4C0F-A36E-84759523287A}" type="datetimeFigureOut">
               <a:rPr lang="en-US" smtClean="0"/>
-              <a:t>9/3/2020</a:t>
+              <a:t>9/7/2020</a:t>
             </a:fld>
             <a:endParaRPr lang="en-US"/>
           </a:p>
@@ -3269,7 +3274,7 @@
           <a:p>
             <a:fld id="{C80056F7-4CED-4C0F-A36E-84759523287A}" type="datetimeFigureOut">
               <a:rPr lang="en-US" smtClean="0"/>
-              <a:t>9/3/2020</a:t>
+              <a:t>9/7/2020</a:t>
             </a:fld>
             <a:endParaRPr lang="en-US"/>
           </a:p>
@@ -5575,7 +5580,7 @@
             </a:r>
             <a:r>
               <a:rPr lang="en-US" sz="1200" dirty="0"/>
-              <a:t>-core</a:t>
+              <a:t>-dam</a:t>
             </a:r>
           </a:p>
         </p:txBody>
